--- a/Stock Analysis.pptx
+++ b/Stock Analysis.pptx
@@ -10,6 +10,7 @@
     <p:sldId id="258" r:id="rId7"/>
     <p:sldId id="259" r:id="rId8"/>
     <p:sldId id="260" r:id="rId9"/>
+    <p:sldId id="261" r:id="rId10"/>
   </p:sldIdLst>
   <p:sldSz cx="12192000" cy="6858000"/>
   <p:notesSz cx="6858000" cy="9144000"/>
@@ -362,7 +363,7 @@
             <a:fld id="{B61BEF0D-F0BB-DE4B-95CE-6DB70DBA9567}" type="datetimeFigureOut">
               <a:rPr lang="en-US" smtClean="0"/>
               <a:pPr/>
-              <a:t>4/23/2019</a:t>
+              <a:t>4/24/2019</a:t>
             </a:fld>
             <a:endParaRPr lang="en-US" dirty="0"/>
           </a:p>
@@ -626,7 +627,7 @@
             <a:fld id="{B61BEF0D-F0BB-DE4B-95CE-6DB70DBA9567}" type="datetimeFigureOut">
               <a:rPr lang="en-US" smtClean="0"/>
               <a:pPr/>
-              <a:t>4/23/2019</a:t>
+              <a:t>4/24/2019</a:t>
             </a:fld>
             <a:endParaRPr lang="en-US" dirty="0"/>
           </a:p>
@@ -863,7 +864,7 @@
             <a:fld id="{B61BEF0D-F0BB-DE4B-95CE-6DB70DBA9567}" type="datetimeFigureOut">
               <a:rPr lang="en-US" smtClean="0"/>
               <a:pPr/>
-              <a:t>4/23/2019</a:t>
+              <a:t>4/24/2019</a:t>
             </a:fld>
             <a:endParaRPr lang="en-US" dirty="0"/>
           </a:p>
@@ -1105,7 +1106,7 @@
             <a:fld id="{B61BEF0D-F0BB-DE4B-95CE-6DB70DBA9567}" type="datetimeFigureOut">
               <a:rPr lang="en-US" smtClean="0"/>
               <a:pPr/>
-              <a:t>4/23/2019</a:t>
+              <a:t>4/24/2019</a:t>
             </a:fld>
             <a:endParaRPr lang="en-US" dirty="0"/>
           </a:p>
@@ -1414,7 +1415,7 @@
             <a:fld id="{B61BEF0D-F0BB-DE4B-95CE-6DB70DBA9567}" type="datetimeFigureOut">
               <a:rPr lang="en-US" smtClean="0"/>
               <a:pPr/>
-              <a:t>4/23/2019</a:t>
+              <a:t>4/24/2019</a:t>
             </a:fld>
             <a:endParaRPr lang="en-US" dirty="0"/>
           </a:p>
@@ -1718,7 +1719,7 @@
             <a:fld id="{B61BEF0D-F0BB-DE4B-95CE-6DB70DBA9567}" type="datetimeFigureOut">
               <a:rPr lang="en-US" smtClean="0"/>
               <a:pPr/>
-              <a:t>4/23/2019</a:t>
+              <a:t>4/24/2019</a:t>
             </a:fld>
             <a:endParaRPr lang="en-US" dirty="0"/>
           </a:p>
@@ -2142,7 +2143,7 @@
             <a:fld id="{B61BEF0D-F0BB-DE4B-95CE-6DB70DBA9567}" type="datetimeFigureOut">
               <a:rPr lang="en-US" smtClean="0"/>
               <a:pPr/>
-              <a:t>4/23/2019</a:t>
+              <a:t>4/24/2019</a:t>
             </a:fld>
             <a:endParaRPr lang="en-US" dirty="0"/>
           </a:p>
@@ -2239,7 +2240,7 @@
             <a:fld id="{B61BEF0D-F0BB-DE4B-95CE-6DB70DBA9567}" type="datetimeFigureOut">
               <a:rPr lang="en-US" smtClean="0"/>
               <a:pPr/>
-              <a:t>4/23/2019</a:t>
+              <a:t>4/24/2019</a:t>
             </a:fld>
             <a:endParaRPr lang="en-US" dirty="0"/>
           </a:p>
@@ -2403,7 +2404,7 @@
             <a:fld id="{B61BEF0D-F0BB-DE4B-95CE-6DB70DBA9567}" type="datetimeFigureOut">
               <a:rPr lang="en-US" smtClean="0"/>
               <a:pPr/>
-              <a:t>4/23/2019</a:t>
+              <a:t>4/24/2019</a:t>
             </a:fld>
             <a:endParaRPr lang="en-US" dirty="0"/>
           </a:p>
@@ -2783,7 +2784,7 @@
             <a:fld id="{B61BEF0D-F0BB-DE4B-95CE-6DB70DBA9567}" type="datetimeFigureOut">
               <a:rPr lang="en-US" smtClean="0"/>
               <a:pPr/>
-              <a:t>4/23/2019</a:t>
+              <a:t>4/24/2019</a:t>
             </a:fld>
             <a:endParaRPr lang="en-US" dirty="0"/>
           </a:p>
@@ -3074,7 +3075,7 @@
             <a:fld id="{B61BEF0D-F0BB-DE4B-95CE-6DB70DBA9567}" type="datetimeFigureOut">
               <a:rPr lang="en-US" smtClean="0"/>
               <a:pPr/>
-              <a:t>4/23/2019</a:t>
+              <a:t>4/24/2019</a:t>
             </a:fld>
             <a:endParaRPr lang="en-US" dirty="0"/>
           </a:p>
@@ -3287,7 +3288,7 @@
             <a:fld id="{B61BEF0D-F0BB-DE4B-95CE-6DB70DBA9567}" type="datetimeFigureOut">
               <a:rPr lang="en-US" smtClean="0"/>
               <a:pPr/>
-              <a:t>4/23/2019</a:t>
+              <a:t>4/24/2019</a:t>
             </a:fld>
             <a:endParaRPr lang="en-US" dirty="0"/>
           </a:p>
@@ -4575,8 +4576,8 @@
         </p:blipFill>
         <p:spPr>
           <a:xfrm>
-            <a:off x="4932866" y="1111641"/>
-            <a:ext cx="6207131" cy="4655348"/>
+            <a:off x="4169916" y="539428"/>
+            <a:ext cx="8022084" cy="6016562"/>
           </a:xfrm>
           <a:prstGeom prst="rect">
             <a:avLst/>
@@ -4842,8 +4843,8 @@
         </p:blipFill>
         <p:spPr>
           <a:xfrm>
-            <a:off x="4932866" y="1111641"/>
-            <a:ext cx="6207131" cy="4655348"/>
+            <a:off x="4169915" y="539428"/>
+            <a:ext cx="8022085" cy="6016563"/>
           </a:xfrm>
           <a:prstGeom prst="rect">
             <a:avLst/>
@@ -5026,13 +5027,13 @@
         </p:spPr>
         <p:txBody>
           <a:bodyPr>
-            <a:normAutofit/>
+            <a:normAutofit fontScale="90000"/>
           </a:bodyPr>
           <a:lstStyle/>
           <a:p>
             <a:r>
               <a:rPr lang="en-US" dirty="0"/>
-              <a:t>Trend After Low point</a:t>
+              <a:t>Trend before/After Low point</a:t>
             </a:r>
           </a:p>
         </p:txBody>
@@ -5120,8 +5121,8 @@
         </p:blipFill>
         <p:spPr>
           <a:xfrm>
-            <a:off x="4932866" y="1111641"/>
-            <a:ext cx="6207131" cy="4655348"/>
+            <a:off x="4149854" y="524384"/>
+            <a:ext cx="8042146" cy="6031608"/>
           </a:xfrm>
           <a:prstGeom prst="rect">
             <a:avLst/>
@@ -5225,7 +5226,10 @@
             </a:r>
           </a:p>
           <a:p>
-            <a:endParaRPr lang="en-US" dirty="0"/>
+            <a:r>
+              <a:rPr lang="en-US" dirty="0"/>
+              <a:t>AT&amp;T and Verizon have had similar sloping price declines overall from 2000 to 2018 while Sprint suffered during the recession and hasn’t recovered to a similar price. This could indicate the company’s general lacking of value in the public eyes.</a:t>
+            </a:r>
           </a:p>
         </p:txBody>
       </p:sp>
@@ -5233,6 +5237,103 @@
     <p:extLst>
       <p:ext uri="{BB962C8B-B14F-4D97-AF65-F5344CB8AC3E}">
         <p14:creationId xmlns:p14="http://schemas.microsoft.com/office/powerpoint/2010/main" val="3358411649"/>
+      </p:ext>
+    </p:extLst>
+  </p:cSld>
+  <p:clrMapOvr>
+    <a:masterClrMapping/>
+  </p:clrMapOvr>
+</p:sld>
+</file>
+
+<file path=ppt/slides/slide6.xml><?xml version="1.0" encoding="utf-8"?>
+<p:sld xmlns:a="http://schemas.openxmlformats.org/drawingml/2006/main" xmlns:r="http://schemas.openxmlformats.org/officeDocument/2006/relationships" xmlns:p="http://schemas.openxmlformats.org/presentationml/2006/main">
+  <p:cSld>
+    <p:spTree>
+      <p:nvGrpSpPr>
+        <p:cNvPr id="1" name=""/>
+        <p:cNvGrpSpPr/>
+        <p:nvPr/>
+      </p:nvGrpSpPr>
+      <p:grpSpPr>
+        <a:xfrm>
+          <a:off x="0" y="0"/>
+          <a:ext cx="0" cy="0"/>
+          <a:chOff x="0" y="0"/>
+          <a:chExt cx="0" cy="0"/>
+        </a:xfrm>
+      </p:grpSpPr>
+      <p:sp>
+        <p:nvSpPr>
+          <p:cNvPr id="2" name="Title 1">
+            <a:extLst>
+              <a:ext uri="{FF2B5EF4-FFF2-40B4-BE49-F238E27FC236}">
+                <a16:creationId xmlns:a16="http://schemas.microsoft.com/office/drawing/2014/main" id="{D72E3412-BC2A-4F06-8448-E8F71CF7A135}"/>
+              </a:ext>
+            </a:extLst>
+          </p:cNvPr>
+          <p:cNvSpPr>
+            <a:spLocks noGrp="1"/>
+          </p:cNvSpPr>
+          <p:nvPr>
+            <p:ph type="title"/>
+          </p:nvPr>
+        </p:nvSpPr>
+        <p:spPr/>
+        <p:txBody>
+          <a:bodyPr/>
+          <a:lstStyle/>
+          <a:p>
+            <a:r>
+              <a:rPr lang="en-US" dirty="0"/>
+              <a:t>Summery</a:t>
+            </a:r>
+          </a:p>
+        </p:txBody>
+      </p:sp>
+      <p:sp>
+        <p:nvSpPr>
+          <p:cNvPr id="3" name="Content Placeholder 2">
+            <a:extLst>
+              <a:ext uri="{FF2B5EF4-FFF2-40B4-BE49-F238E27FC236}">
+                <a16:creationId xmlns:a16="http://schemas.microsoft.com/office/drawing/2014/main" id="{3947CFFA-DC64-4988-9624-9595F55B537A}"/>
+              </a:ext>
+            </a:extLst>
+          </p:cNvPr>
+          <p:cNvSpPr>
+            <a:spLocks noGrp="1"/>
+          </p:cNvSpPr>
+          <p:nvPr>
+            <p:ph idx="1"/>
+          </p:nvPr>
+        </p:nvSpPr>
+        <p:spPr/>
+        <p:txBody>
+          <a:bodyPr/>
+          <a:lstStyle/>
+          <a:p>
+            <a:r>
+              <a:rPr lang="en-US" dirty="0"/>
+              <a:t>Using stock data of competitors over a period of time can show the difference in value in the public’s eyes.</a:t>
+            </a:r>
+          </a:p>
+          <a:p>
+            <a:pPr lvl="1"/>
+            <a:r>
+              <a:rPr lang="en-US" dirty="0"/>
+              <a:t>This allows for investigation into the differences and help to </a:t>
+            </a:r>
+            <a:r>
+              <a:rPr lang="en-US"/>
+              <a:t>find solutions</a:t>
+            </a:r>
+          </a:p>
+        </p:txBody>
+      </p:sp>
+    </p:spTree>
+    <p:extLst>
+      <p:ext uri="{BB962C8B-B14F-4D97-AF65-F5344CB8AC3E}">
+        <p14:creationId xmlns:p14="http://schemas.microsoft.com/office/powerpoint/2010/main" val="1978497402"/>
       </p:ext>
     </p:extLst>
   </p:cSld>
@@ -5512,23 +5613,6 @@
 </file>
 
 <file path=customXml/item1.xml><?xml version="1.0" encoding="utf-8"?>
-<p:properties xmlns:p="http://schemas.microsoft.com/office/2006/metadata/properties" xmlns:xsi="http://www.w3.org/2001/XMLSchema-instance" xmlns:pc="http://schemas.microsoft.com/office/infopath/2007/PartnerControls">
-  <documentManagement>
-    <MediaServiceKeyPoints xmlns="71af3243-3dd4-4a8d-8c0d-dd76da1f02a5" xsi:nil="true"/>
-  </documentManagement>
-</p:properties>
-</file>
-
-<file path=customXml/item2.xml><?xml version="1.0" encoding="utf-8"?>
-<?mso-contentType ?>
-<FormTemplates xmlns="http://schemas.microsoft.com/sharepoint/v3/contenttype/forms">
-  <Display>DocumentLibraryForm</Display>
-  <Edit>DocumentLibraryForm</Edit>
-  <New>DocumentLibraryForm</New>
-</FormTemplates>
-</file>
-
-<file path=customXml/item3.xml><?xml version="1.0" encoding="utf-8"?>
 <ct:contentTypeSchema xmlns:ct="http://schemas.microsoft.com/office/2006/metadata/contentType" xmlns:ma="http://schemas.microsoft.com/office/2006/metadata/properties/metaAttributes" ct:_="" ma:_="" ma:contentTypeName="Document" ma:contentTypeID="0x01010079F111ED35F8CC479449609E8A0923A6" ma:contentTypeVersion="11" ma:contentTypeDescription="Create a new document." ma:contentTypeScope="" ma:versionID="1c2eb7a32e66fb6e4260f3771546a5e2">
   <xsd:schema xmlns:xsd="http://www.w3.org/2001/XMLSchema" xmlns:xs="http://www.w3.org/2001/XMLSchema" xmlns:p="http://schemas.microsoft.com/office/2006/metadata/properties" xmlns:ns2="71af3243-3dd4-4a8d-8c0d-dd76da1f02a5" xmlns:ns3="16c05727-aa75-4e4a-9b5f-8a80a1165891" targetNamespace="http://schemas.microsoft.com/office/2006/metadata/properties" ma:root="true" ma:fieldsID="04e1f6479c48b08974ba73b5ca973489" ns2:_="" ns3:_="">
     <xsd:import namespace="71af3243-3dd4-4a8d-8c0d-dd76da1f02a5"/>
@@ -5739,25 +5823,24 @@
 </ct:contentTypeSchema>
 </file>
 
-<file path=customXml/itemProps1.xml><?xml version="1.0" encoding="utf-8"?>
-<ds:datastoreItem xmlns:ds="http://schemas.openxmlformats.org/officeDocument/2006/customXml" ds:itemID="{CDEF96C5-3DBB-474D-9A68-6602A116B4D3}">
-  <ds:schemaRefs>
-    <ds:schemaRef ds:uri="http://schemas.microsoft.com/office/2006/metadata/properties"/>
-    <ds:schemaRef ds:uri="http://schemas.microsoft.com/office/infopath/2007/PartnerControls"/>
-    <ds:schemaRef ds:uri="71af3243-3dd4-4a8d-8c0d-dd76da1f02a5"/>
-  </ds:schemaRefs>
-</ds:datastoreItem>
+<file path=customXml/item2.xml><?xml version="1.0" encoding="utf-8"?>
+<?mso-contentType ?>
+<FormTemplates xmlns="http://schemas.microsoft.com/sharepoint/v3/contenttype/forms">
+  <Display>DocumentLibraryForm</Display>
+  <Edit>DocumentLibraryForm</Edit>
+  <New>DocumentLibraryForm</New>
+</FormTemplates>
 </file>
 
-<file path=customXml/itemProps2.xml><?xml version="1.0" encoding="utf-8"?>
-<ds:datastoreItem xmlns:ds="http://schemas.openxmlformats.org/officeDocument/2006/customXml" ds:itemID="{E713E99F-A368-412C-B268-19FC7C8FD479}">
-  <ds:schemaRefs>
-    <ds:schemaRef ds:uri="http://schemas.microsoft.com/sharepoint/v3/contenttype/forms"/>
-  </ds:schemaRefs>
-</ds:datastoreItem>
+<file path=customXml/item3.xml><?xml version="1.0" encoding="utf-8"?>
+<p:properties xmlns:p="http://schemas.microsoft.com/office/2006/metadata/properties" xmlns:xsi="http://www.w3.org/2001/XMLSchema-instance" xmlns:pc="http://schemas.microsoft.com/office/infopath/2007/PartnerControls">
+  <documentManagement>
+    <MediaServiceKeyPoints xmlns="71af3243-3dd4-4a8d-8c0d-dd76da1f02a5" xsi:nil="true"/>
+  </documentManagement>
+</p:properties>
 </file>
 
-<file path=customXml/itemProps3.xml><?xml version="1.0" encoding="utf-8"?>
+<file path=customXml/itemProps1.xml><?xml version="1.0" encoding="utf-8"?>
 <ds:datastoreItem xmlns:ds="http://schemas.openxmlformats.org/officeDocument/2006/customXml" ds:itemID="{64ABC737-7714-4383-83AA-9E7E16CCB426}">
   <ds:schemaRefs>
     <ds:schemaRef ds:uri="http://schemas.microsoft.com/office/2006/metadata/contentType"/>
@@ -5774,4 +5857,22 @@
     <ds:schemaRef ds:uri="http://schemas.microsoft.com/internal/obd"/>
   </ds:schemaRefs>
 </ds:datastoreItem>
+</file>
+
+<file path=customXml/itemProps2.xml><?xml version="1.0" encoding="utf-8"?>
+<ds:datastoreItem xmlns:ds="http://schemas.openxmlformats.org/officeDocument/2006/customXml" ds:itemID="{E713E99F-A368-412C-B268-19FC7C8FD479}">
+  <ds:schemaRefs>
+    <ds:schemaRef ds:uri="http://schemas.microsoft.com/sharepoint/v3/contenttype/forms"/>
+  </ds:schemaRefs>
+</ds:datastoreItem>
+</file>
+
+<file path=customXml/itemProps3.xml><?xml version="1.0" encoding="utf-8"?>
+<ds:datastoreItem xmlns:ds="http://schemas.openxmlformats.org/officeDocument/2006/customXml" ds:itemID="{CDEF96C5-3DBB-474D-9A68-6602A116B4D3}">
+  <ds:schemaRefs>
+    <ds:schemaRef ds:uri="http://schemas.microsoft.com/office/2006/metadata/properties"/>
+    <ds:schemaRef ds:uri="http://schemas.microsoft.com/office/infopath/2007/PartnerControls"/>
+    <ds:schemaRef ds:uri="71af3243-3dd4-4a8d-8c0d-dd76da1f02a5"/>
+  </ds:schemaRefs>
+</ds:datastoreItem>
 </file>
--- a/Stock Analysis.pptx
+++ b/Stock Analysis.pptx
@@ -5321,11 +5321,7 @@
             <a:pPr lvl="1"/>
             <a:r>
               <a:rPr lang="en-US" dirty="0"/>
-              <a:t>This allows for investigation into the differences and help to </a:t>
-            </a:r>
-            <a:r>
-              <a:rPr lang="en-US"/>
-              <a:t>find solutions</a:t>
+              <a:t>This allows for investigation into the differences and help to find solutions</a:t>
             </a:r>
           </a:p>
         </p:txBody>
